--- a/Documentation/PPT/FitFusion_Updated.pptx
+++ b/Documentation/PPT/FitFusion_Updated.pptx
@@ -17,9 +17,9 @@
     <p:sldId id="265" r:id="rId11"/>
     <p:sldId id="266" r:id="rId12"/>
     <p:sldId id="267" r:id="rId13"/>
-    <p:sldId id="268" r:id="rId14"/>
-    <p:sldId id="269" r:id="rId15"/>
-    <p:sldId id="270" r:id="rId16"/>
+    <p:sldId id="269" r:id="rId14"/>
+    <p:sldId id="270" r:id="rId15"/>
+    <p:sldId id="268" r:id="rId16"/>
     <p:sldId id="271" r:id="rId17"/>
   </p:sldIdLst>
   <p:sldSz cx="12192000" cy="6858000"/>
@@ -346,7 +346,7 @@
           <a:p>
             <a:fld id="{1D8BD707-D9CF-40AE-B4C6-C98DA3205C09}" type="datetimeFigureOut">
               <a:rPr lang="en-US"/>
-              <a:t>3/15/2025</a:t>
+              <a:t>4/10/2025</a:t>
             </a:fld>
             <a:endParaRPr lang="en-US"/>
           </a:p>
@@ -676,7 +676,7 @@
           <a:p>
             <a:fld id="{1D8BD707-D9CF-40AE-B4C6-C98DA3205C09}" type="datetimeFigureOut">
               <a:rPr lang="en-US"/>
-              <a:t>3/15/2025</a:t>
+              <a:t>4/10/2025</a:t>
             </a:fld>
             <a:endParaRPr lang="en-US"/>
           </a:p>
@@ -1043,7 +1043,7 @@
           <a:p>
             <a:fld id="{1D8BD707-D9CF-40AE-B4C6-C98DA3205C09}" type="datetimeFigureOut">
               <a:rPr lang="en-US"/>
-              <a:t>3/15/2025</a:t>
+              <a:t>4/10/2025</a:t>
             </a:fld>
             <a:endParaRPr lang="en-US"/>
           </a:p>
@@ -1344,7 +1344,7 @@
           <a:p>
             <a:fld id="{1D8BD707-D9CF-40AE-B4C6-C98DA3205C09}" type="datetimeFigureOut">
               <a:rPr lang="en-US"/>
-              <a:t>3/15/2025</a:t>
+              <a:t>4/10/2025</a:t>
             </a:fld>
             <a:endParaRPr lang="en-US"/>
           </a:p>
@@ -1616,7 +1616,7 @@
           <a:p>
             <a:fld id="{1D8BD707-D9CF-40AE-B4C6-C98DA3205C09}" type="datetimeFigureOut">
               <a:rPr lang="en-US"/>
-              <a:t>3/15/2025</a:t>
+              <a:t>4/10/2025</a:t>
             </a:fld>
             <a:endParaRPr lang="en-US"/>
           </a:p>
@@ -2092,7 +2092,7 @@
           <a:p>
             <a:fld id="{1D8BD707-D9CF-40AE-B4C6-C98DA3205C09}" type="datetimeFigureOut">
               <a:rPr lang="en-US"/>
-              <a:t>3/15/2025</a:t>
+              <a:t>4/10/2025</a:t>
             </a:fld>
             <a:endParaRPr lang="en-US"/>
           </a:p>
@@ -5591,6 +5591,42 @@
           </a:p>
         </p:txBody>
       </p:sp>
+      <p:pic>
+        <p:nvPicPr>
+          <p:cNvPr id="11" name="Picture 10" descr="A screen shot of a computer">
+            <a:extLst>
+              <a:ext uri="{FF2B5EF4-FFF2-40B4-BE49-F238E27FC236}">
+                <a16:creationId xmlns:a16="http://schemas.microsoft.com/office/drawing/2014/main" id="{5C94F29C-0640-5FD9-6F47-81F11185FBBF}"/>
+              </a:ext>
+            </a:extLst>
+          </p:cNvPr>
+          <p:cNvPicPr>
+            <a:picLocks noChangeAspect="1"/>
+          </p:cNvPicPr>
+          <p:nvPr/>
+        </p:nvPicPr>
+        <p:blipFill>
+          <a:blip r:embed="rId3">
+            <a:extLst>
+              <a:ext uri="{28A0092B-C50C-407E-A947-70E740481C1C}">
+                <a14:useLocalDpi xmlns:a14="http://schemas.microsoft.com/office/drawing/2010/main" val="0"/>
+              </a:ext>
+            </a:extLst>
+          </a:blip>
+          <a:stretch>
+            <a:fillRect/>
+          </a:stretch>
+        </p:blipFill>
+        <p:spPr>
+          <a:xfrm>
+            <a:off x="4484821" y="685800"/>
+            <a:ext cx="5192579" cy="5574524"/>
+          </a:xfrm>
+          <a:prstGeom prst="rect">
+            <a:avLst/>
+          </a:prstGeom>
+        </p:spPr>
+      </p:pic>
     </p:spTree>
   </p:cSld>
   <p:clrMapOvr>
@@ -5647,11 +5683,7 @@
             </a:pPr>
             <a:r>
               <a:rPr dirty="0"/>
-              <a:t>Activity</a:t>
-            </a:r>
-            <a:r>
-              <a:rPr spc="-40" dirty="0"/>
-              <a:t> </a:t>
+              <a:t>Class </a:t>
             </a:r>
             <a:r>
               <a:rPr spc="-10" dirty="0"/>
@@ -6125,6 +6157,42 @@
           </a:p>
         </p:txBody>
       </p:sp>
+      <p:pic>
+        <p:nvPicPr>
+          <p:cNvPr id="11" name="Picture 10" descr="A screenshot of a computer&#10;&#10;AI-generated content may be incorrect.">
+            <a:extLst>
+              <a:ext uri="{FF2B5EF4-FFF2-40B4-BE49-F238E27FC236}">
+                <a16:creationId xmlns:a16="http://schemas.microsoft.com/office/drawing/2014/main" id="{93A4BC14-DFB1-40CB-3264-723834AB9305}"/>
+              </a:ext>
+            </a:extLst>
+          </p:cNvPr>
+          <p:cNvPicPr>
+            <a:picLocks noChangeAspect="1"/>
+          </p:cNvPicPr>
+          <p:nvPr/>
+        </p:nvPicPr>
+        <p:blipFill>
+          <a:blip r:embed="rId3">
+            <a:extLst>
+              <a:ext uri="{28A0092B-C50C-407E-A947-70E740481C1C}">
+                <a14:useLocalDpi xmlns:a14="http://schemas.microsoft.com/office/drawing/2010/main" val="0"/>
+              </a:ext>
+            </a:extLst>
+          </a:blip>
+          <a:stretch>
+            <a:fillRect/>
+          </a:stretch>
+        </p:blipFill>
+        <p:spPr>
+          <a:xfrm>
+            <a:off x="2956773" y="601915"/>
+            <a:ext cx="7433254" cy="5711869"/>
+          </a:xfrm>
+          <a:prstGeom prst="rect">
+            <a:avLst/>
+          </a:prstGeom>
+        </p:spPr>
+      </p:pic>
     </p:spTree>
   </p:cSld>
   <p:clrMapOvr>
@@ -6181,7 +6249,11 @@
             </a:pPr>
             <a:r>
               <a:rPr dirty="0"/>
-              <a:t>Class </a:t>
+              <a:t>Sequence</a:t>
+            </a:r>
+            <a:r>
+              <a:rPr spc="-35" dirty="0"/>
+              <a:t> </a:t>
             </a:r>
             <a:r>
               <a:rPr spc="-10" dirty="0"/>
@@ -6655,6 +6727,42 @@
           </a:p>
         </p:txBody>
       </p:sp>
+      <p:pic>
+        <p:nvPicPr>
+          <p:cNvPr id="13" name="Picture 12">
+            <a:extLst>
+              <a:ext uri="{FF2B5EF4-FFF2-40B4-BE49-F238E27FC236}">
+                <a16:creationId xmlns:a16="http://schemas.microsoft.com/office/drawing/2014/main" id="{01260E7F-08B8-FB76-776A-2F60D5921809}"/>
+              </a:ext>
+            </a:extLst>
+          </p:cNvPr>
+          <p:cNvPicPr>
+            <a:picLocks noChangeAspect="1"/>
+          </p:cNvPicPr>
+          <p:nvPr/>
+        </p:nvPicPr>
+        <p:blipFill>
+          <a:blip r:embed="rId3">
+            <a:extLst>
+              <a:ext uri="{28A0092B-C50C-407E-A947-70E740481C1C}">
+                <a14:useLocalDpi xmlns:a14="http://schemas.microsoft.com/office/drawing/2010/main" val="0"/>
+              </a:ext>
+            </a:extLst>
+          </a:blip>
+          <a:stretch>
+            <a:fillRect/>
+          </a:stretch>
+        </p:blipFill>
+        <p:spPr>
+          <a:xfrm>
+            <a:off x="5181600" y="533401"/>
+            <a:ext cx="5702299" cy="5895888"/>
+          </a:xfrm>
+          <a:prstGeom prst="rect">
+            <a:avLst/>
+          </a:prstGeom>
+        </p:spPr>
+      </p:pic>
     </p:spTree>
   </p:cSld>
   <p:clrMapOvr>
@@ -6711,10 +6819,10 @@
             </a:pPr>
             <a:r>
               <a:rPr dirty="0"/>
-              <a:t>Sequence</a:t>
-            </a:r>
-            <a:r>
-              <a:rPr spc="-35" dirty="0"/>
+              <a:t>Activity</a:t>
+            </a:r>
+            <a:r>
+              <a:rPr spc="-40" dirty="0"/>
               <a:t> </a:t>
             </a:r>
             <a:r>
@@ -7189,6 +7297,42 @@
           </a:p>
         </p:txBody>
       </p:sp>
+      <p:pic>
+        <p:nvPicPr>
+          <p:cNvPr id="13" name="Picture 12">
+            <a:extLst>
+              <a:ext uri="{FF2B5EF4-FFF2-40B4-BE49-F238E27FC236}">
+                <a16:creationId xmlns:a16="http://schemas.microsoft.com/office/drawing/2014/main" id="{1F632E92-7703-F52F-2AA9-ECFF4AA5C248}"/>
+              </a:ext>
+            </a:extLst>
+          </p:cNvPr>
+          <p:cNvPicPr>
+            <a:picLocks noChangeAspect="1"/>
+          </p:cNvPicPr>
+          <p:nvPr/>
+        </p:nvPicPr>
+        <p:blipFill>
+          <a:blip r:embed="rId3">
+            <a:extLst>
+              <a:ext uri="{28A0092B-C50C-407E-A947-70E740481C1C}">
+                <a14:useLocalDpi xmlns:a14="http://schemas.microsoft.com/office/drawing/2010/main" val="0"/>
+              </a:ext>
+            </a:extLst>
+          </a:blip>
+          <a:stretch>
+            <a:fillRect/>
+          </a:stretch>
+        </p:blipFill>
+        <p:spPr>
+          <a:xfrm>
+            <a:off x="4572000" y="19908"/>
+            <a:ext cx="5483420" cy="6380892"/>
+          </a:xfrm>
+          <a:prstGeom prst="rect">
+            <a:avLst/>
+          </a:prstGeom>
+        </p:spPr>
+      </p:pic>
     </p:spTree>
   </p:cSld>
   <p:clrMapOvr>
@@ -7485,8 +7629,8 @@
         </p:nvSpPr>
         <p:spPr>
           <a:xfrm>
-            <a:off x="522833" y="217979"/>
-            <a:ext cx="11221720" cy="3569335"/>
+            <a:off x="548766" y="376584"/>
+            <a:ext cx="11221720" cy="821379"/>
           </a:xfrm>
           <a:prstGeom prst="rect">
             <a:avLst/>
@@ -7510,1590 +7654,6 @@
               <a:rPr spc="-10" dirty="0"/>
               <a:t>Conclusion</a:t>
             </a:r>
-          </a:p>
-          <a:p>
-            <a:pPr marL="469900" marR="5080">
-              <a:lnSpc>
-                <a:spcPct val="90100"/>
-              </a:lnSpc>
-              <a:spcBef>
-                <a:spcPts val="840"/>
-              </a:spcBef>
-            </a:pPr>
-            <a:r>
-              <a:rPr sz="2400" b="0" dirty="0">
-                <a:solidFill>
-                  <a:srgbClr val="000000"/>
-                </a:solidFill>
-                <a:latin typeface="Calibri"/>
-                <a:cs typeface="Calibri"/>
-              </a:rPr>
-              <a:t>FitFusion</a:t>
-            </a:r>
-            <a:r>
-              <a:rPr sz="2400" b="0" spc="-60" dirty="0">
-                <a:solidFill>
-                  <a:srgbClr val="000000"/>
-                </a:solidFill>
-                <a:latin typeface="Calibri"/>
-                <a:cs typeface="Calibri"/>
-              </a:rPr>
-              <a:t> </a:t>
-            </a:r>
-            <a:r>
-              <a:rPr sz="2400" b="0" spc="-10" dirty="0">
-                <a:solidFill>
-                  <a:srgbClr val="000000"/>
-                </a:solidFill>
-                <a:latin typeface="Calibri"/>
-                <a:cs typeface="Calibri"/>
-              </a:rPr>
-              <a:t>represents</a:t>
-            </a:r>
-            <a:r>
-              <a:rPr sz="2400" b="0" spc="-45" dirty="0">
-                <a:solidFill>
-                  <a:srgbClr val="000000"/>
-                </a:solidFill>
-                <a:latin typeface="Calibri"/>
-                <a:cs typeface="Calibri"/>
-              </a:rPr>
-              <a:t> </a:t>
-            </a:r>
-            <a:r>
-              <a:rPr sz="2400" b="0" dirty="0">
-                <a:solidFill>
-                  <a:srgbClr val="000000"/>
-                </a:solidFill>
-                <a:latin typeface="Calibri"/>
-                <a:cs typeface="Calibri"/>
-              </a:rPr>
-              <a:t>a</a:t>
-            </a:r>
-            <a:r>
-              <a:rPr sz="2400" b="0" spc="-60" dirty="0">
-                <a:solidFill>
-                  <a:srgbClr val="000000"/>
-                </a:solidFill>
-                <a:latin typeface="Calibri"/>
-                <a:cs typeface="Calibri"/>
-              </a:rPr>
-              <a:t> </a:t>
-            </a:r>
-            <a:r>
-              <a:rPr sz="2400" b="0" spc="-10" dirty="0">
-                <a:solidFill>
-                  <a:srgbClr val="000000"/>
-                </a:solidFill>
-                <a:latin typeface="Calibri"/>
-                <a:cs typeface="Calibri"/>
-              </a:rPr>
-              <a:t>groundbreaking</a:t>
-            </a:r>
-            <a:r>
-              <a:rPr sz="2400" b="0" spc="-45" dirty="0">
-                <a:solidFill>
-                  <a:srgbClr val="000000"/>
-                </a:solidFill>
-                <a:latin typeface="Calibri"/>
-                <a:cs typeface="Calibri"/>
-              </a:rPr>
-              <a:t> </a:t>
-            </a:r>
-            <a:r>
-              <a:rPr sz="2400" b="0" dirty="0">
-                <a:solidFill>
-                  <a:srgbClr val="000000"/>
-                </a:solidFill>
-                <a:latin typeface="Calibri"/>
-                <a:cs typeface="Calibri"/>
-              </a:rPr>
-              <a:t>solution</a:t>
-            </a:r>
-            <a:r>
-              <a:rPr sz="2400" b="0" spc="-50" dirty="0">
-                <a:solidFill>
-                  <a:srgbClr val="000000"/>
-                </a:solidFill>
-                <a:latin typeface="Calibri"/>
-                <a:cs typeface="Calibri"/>
-              </a:rPr>
-              <a:t> </a:t>
-            </a:r>
-            <a:r>
-              <a:rPr sz="2400" b="0" dirty="0">
-                <a:solidFill>
-                  <a:srgbClr val="000000"/>
-                </a:solidFill>
-                <a:latin typeface="Calibri"/>
-                <a:cs typeface="Calibri"/>
-              </a:rPr>
-              <a:t>in</a:t>
-            </a:r>
-            <a:r>
-              <a:rPr sz="2400" b="0" spc="-50" dirty="0">
-                <a:solidFill>
-                  <a:srgbClr val="000000"/>
-                </a:solidFill>
-                <a:latin typeface="Calibri"/>
-                <a:cs typeface="Calibri"/>
-              </a:rPr>
-              <a:t> </a:t>
-            </a:r>
-            <a:r>
-              <a:rPr sz="2400" b="0" dirty="0">
-                <a:solidFill>
-                  <a:srgbClr val="000000"/>
-                </a:solidFill>
-                <a:latin typeface="Calibri"/>
-                <a:cs typeface="Calibri"/>
-              </a:rPr>
-              <a:t>the</a:t>
-            </a:r>
-            <a:r>
-              <a:rPr sz="2400" b="0" spc="-45" dirty="0">
-                <a:solidFill>
-                  <a:srgbClr val="000000"/>
-                </a:solidFill>
-                <a:latin typeface="Calibri"/>
-                <a:cs typeface="Calibri"/>
-              </a:rPr>
-              <a:t> </a:t>
-            </a:r>
-            <a:r>
-              <a:rPr sz="2400" b="0" dirty="0">
-                <a:solidFill>
-                  <a:srgbClr val="000000"/>
-                </a:solidFill>
-                <a:latin typeface="Calibri"/>
-                <a:cs typeface="Calibri"/>
-              </a:rPr>
-              <a:t>fitness</a:t>
-            </a:r>
-            <a:r>
-              <a:rPr sz="2400" b="0" spc="-50" dirty="0">
-                <a:solidFill>
-                  <a:srgbClr val="000000"/>
-                </a:solidFill>
-                <a:latin typeface="Calibri"/>
-                <a:cs typeface="Calibri"/>
-              </a:rPr>
-              <a:t> </a:t>
-            </a:r>
-            <a:r>
-              <a:rPr sz="2400" b="0" dirty="0">
-                <a:solidFill>
-                  <a:srgbClr val="000000"/>
-                </a:solidFill>
-                <a:latin typeface="Calibri"/>
-                <a:cs typeface="Calibri"/>
-              </a:rPr>
-              <a:t>domain,</a:t>
-            </a:r>
-            <a:r>
-              <a:rPr sz="2400" b="0" spc="-60" dirty="0">
-                <a:solidFill>
-                  <a:srgbClr val="000000"/>
-                </a:solidFill>
-                <a:latin typeface="Calibri"/>
-                <a:cs typeface="Calibri"/>
-              </a:rPr>
-              <a:t> </a:t>
-            </a:r>
-            <a:r>
-              <a:rPr sz="2400" b="0" dirty="0">
-                <a:solidFill>
-                  <a:srgbClr val="000000"/>
-                </a:solidFill>
-                <a:latin typeface="Calibri"/>
-                <a:cs typeface="Calibri"/>
-              </a:rPr>
-              <a:t>addressing</a:t>
-            </a:r>
-            <a:r>
-              <a:rPr sz="2400" b="0" spc="-40" dirty="0">
-                <a:solidFill>
-                  <a:srgbClr val="000000"/>
-                </a:solidFill>
-                <a:latin typeface="Calibri"/>
-                <a:cs typeface="Calibri"/>
-              </a:rPr>
-              <a:t> </a:t>
-            </a:r>
-            <a:r>
-              <a:rPr sz="2400" b="0" spc="-25" dirty="0">
-                <a:solidFill>
-                  <a:srgbClr val="000000"/>
-                </a:solidFill>
-                <a:latin typeface="Calibri"/>
-                <a:cs typeface="Calibri"/>
-              </a:rPr>
-              <a:t>key </a:t>
-            </a:r>
-            <a:r>
-              <a:rPr sz="2400" b="0" dirty="0">
-                <a:solidFill>
-                  <a:srgbClr val="000000"/>
-                </a:solidFill>
-                <a:latin typeface="Calibri"/>
-                <a:cs typeface="Calibri"/>
-              </a:rPr>
-              <a:t>shortcomings</a:t>
-            </a:r>
-            <a:r>
-              <a:rPr sz="2400" b="0" spc="-85" dirty="0">
-                <a:solidFill>
-                  <a:srgbClr val="000000"/>
-                </a:solidFill>
-                <a:latin typeface="Calibri"/>
-                <a:cs typeface="Calibri"/>
-              </a:rPr>
-              <a:t> </a:t>
-            </a:r>
-            <a:r>
-              <a:rPr sz="2400" b="0" dirty="0">
-                <a:solidFill>
-                  <a:srgbClr val="000000"/>
-                </a:solidFill>
-                <a:latin typeface="Calibri"/>
-                <a:cs typeface="Calibri"/>
-              </a:rPr>
-              <a:t>of</a:t>
-            </a:r>
-            <a:r>
-              <a:rPr sz="2400" b="0" spc="-70" dirty="0">
-                <a:solidFill>
-                  <a:srgbClr val="000000"/>
-                </a:solidFill>
-                <a:latin typeface="Calibri"/>
-                <a:cs typeface="Calibri"/>
-              </a:rPr>
-              <a:t> </a:t>
-            </a:r>
-            <a:r>
-              <a:rPr sz="2400" b="0" dirty="0">
-                <a:solidFill>
-                  <a:srgbClr val="000000"/>
-                </a:solidFill>
-                <a:latin typeface="Calibri"/>
-                <a:cs typeface="Calibri"/>
-              </a:rPr>
-              <a:t>existing</a:t>
-            </a:r>
-            <a:r>
-              <a:rPr sz="2400" b="0" spc="-90" dirty="0">
-                <a:solidFill>
-                  <a:srgbClr val="000000"/>
-                </a:solidFill>
-                <a:latin typeface="Calibri"/>
-                <a:cs typeface="Calibri"/>
-              </a:rPr>
-              <a:t> </a:t>
-            </a:r>
-            <a:r>
-              <a:rPr sz="2400" b="0" spc="-10" dirty="0">
-                <a:solidFill>
-                  <a:srgbClr val="000000"/>
-                </a:solidFill>
-                <a:latin typeface="Calibri"/>
-                <a:cs typeface="Calibri"/>
-              </a:rPr>
-              <a:t>systems</a:t>
-            </a:r>
-            <a:r>
-              <a:rPr sz="2400" b="0" spc="-75" dirty="0">
-                <a:solidFill>
-                  <a:srgbClr val="000000"/>
-                </a:solidFill>
-                <a:latin typeface="Calibri"/>
-                <a:cs typeface="Calibri"/>
-              </a:rPr>
-              <a:t> </a:t>
-            </a:r>
-            <a:r>
-              <a:rPr sz="2400" b="0" dirty="0">
-                <a:solidFill>
-                  <a:srgbClr val="000000"/>
-                </a:solidFill>
-                <a:latin typeface="Calibri"/>
-                <a:cs typeface="Calibri"/>
-              </a:rPr>
-              <a:t>with</a:t>
-            </a:r>
-            <a:r>
-              <a:rPr sz="2400" b="0" spc="-65" dirty="0">
-                <a:solidFill>
-                  <a:srgbClr val="000000"/>
-                </a:solidFill>
-                <a:latin typeface="Calibri"/>
-                <a:cs typeface="Calibri"/>
-              </a:rPr>
-              <a:t> </a:t>
-            </a:r>
-            <a:r>
-              <a:rPr sz="2400" b="0" dirty="0">
-                <a:solidFill>
-                  <a:srgbClr val="000000"/>
-                </a:solidFill>
-                <a:latin typeface="Calibri"/>
-                <a:cs typeface="Calibri"/>
-              </a:rPr>
-              <a:t>its</a:t>
-            </a:r>
-            <a:r>
-              <a:rPr sz="2400" b="0" spc="-80" dirty="0">
-                <a:solidFill>
-                  <a:srgbClr val="000000"/>
-                </a:solidFill>
-                <a:latin typeface="Calibri"/>
-                <a:cs typeface="Calibri"/>
-              </a:rPr>
-              <a:t> </a:t>
-            </a:r>
-            <a:r>
-              <a:rPr sz="2400" b="0" spc="-20" dirty="0">
-                <a:solidFill>
-                  <a:srgbClr val="000000"/>
-                </a:solidFill>
-                <a:latin typeface="Calibri"/>
-                <a:cs typeface="Calibri"/>
-              </a:rPr>
-              <a:t>integrated</a:t>
-            </a:r>
-            <a:r>
-              <a:rPr sz="2400" b="0" spc="-75" dirty="0">
-                <a:solidFill>
-                  <a:srgbClr val="000000"/>
-                </a:solidFill>
-                <a:latin typeface="Calibri"/>
-                <a:cs typeface="Calibri"/>
-              </a:rPr>
-              <a:t> </a:t>
-            </a:r>
-            <a:r>
-              <a:rPr sz="2400" b="0" dirty="0">
-                <a:solidFill>
-                  <a:srgbClr val="000000"/>
-                </a:solidFill>
-                <a:latin typeface="Calibri"/>
-                <a:cs typeface="Calibri"/>
-              </a:rPr>
-              <a:t>and</a:t>
-            </a:r>
-            <a:r>
-              <a:rPr sz="2400" b="0" spc="-65" dirty="0">
-                <a:solidFill>
-                  <a:srgbClr val="000000"/>
-                </a:solidFill>
-                <a:latin typeface="Calibri"/>
-                <a:cs typeface="Calibri"/>
-              </a:rPr>
-              <a:t> </a:t>
-            </a:r>
-            <a:r>
-              <a:rPr sz="2400" b="0" dirty="0">
-                <a:solidFill>
-                  <a:srgbClr val="000000"/>
-                </a:solidFill>
-                <a:latin typeface="Calibri"/>
-                <a:cs typeface="Calibri"/>
-              </a:rPr>
-              <a:t>adaptive</a:t>
-            </a:r>
-            <a:r>
-              <a:rPr sz="2400" b="0" spc="-65" dirty="0">
-                <a:solidFill>
-                  <a:srgbClr val="000000"/>
-                </a:solidFill>
-                <a:latin typeface="Calibri"/>
-                <a:cs typeface="Calibri"/>
-              </a:rPr>
-              <a:t> </a:t>
-            </a:r>
-            <a:r>
-              <a:rPr sz="2400" b="0" dirty="0">
-                <a:solidFill>
-                  <a:srgbClr val="000000"/>
-                </a:solidFill>
-                <a:latin typeface="Calibri"/>
-                <a:cs typeface="Calibri"/>
-              </a:rPr>
-              <a:t>approach.</a:t>
-            </a:r>
-            <a:r>
-              <a:rPr sz="2400" b="0" spc="-80" dirty="0">
-                <a:solidFill>
-                  <a:srgbClr val="000000"/>
-                </a:solidFill>
-                <a:latin typeface="Calibri"/>
-                <a:cs typeface="Calibri"/>
-              </a:rPr>
-              <a:t> </a:t>
-            </a:r>
-            <a:r>
-              <a:rPr sz="2400" b="0" spc="-25" dirty="0">
-                <a:solidFill>
-                  <a:srgbClr val="000000"/>
-                </a:solidFill>
-                <a:latin typeface="Calibri"/>
-                <a:cs typeface="Calibri"/>
-              </a:rPr>
-              <a:t>By </a:t>
-            </a:r>
-            <a:r>
-              <a:rPr sz="2400" b="0" dirty="0">
-                <a:solidFill>
-                  <a:srgbClr val="000000"/>
-                </a:solidFill>
-                <a:latin typeface="Calibri"/>
-                <a:cs typeface="Calibri"/>
-              </a:rPr>
-              <a:t>seamlessly</a:t>
-            </a:r>
-            <a:r>
-              <a:rPr sz="2400" b="0" spc="-75" dirty="0">
-                <a:solidFill>
-                  <a:srgbClr val="000000"/>
-                </a:solidFill>
-                <a:latin typeface="Calibri"/>
-                <a:cs typeface="Calibri"/>
-              </a:rPr>
-              <a:t> </a:t>
-            </a:r>
-            <a:r>
-              <a:rPr sz="2400" b="0" dirty="0">
-                <a:solidFill>
-                  <a:srgbClr val="000000"/>
-                </a:solidFill>
-                <a:latin typeface="Calibri"/>
-                <a:cs typeface="Calibri"/>
-              </a:rPr>
-              <a:t>combining</a:t>
-            </a:r>
-            <a:r>
-              <a:rPr sz="2400" b="0" spc="-80" dirty="0">
-                <a:solidFill>
-                  <a:srgbClr val="000000"/>
-                </a:solidFill>
-                <a:latin typeface="Calibri"/>
-                <a:cs typeface="Calibri"/>
-              </a:rPr>
-              <a:t> </a:t>
-            </a:r>
-            <a:r>
-              <a:rPr sz="2400" b="0" spc="-10" dirty="0">
-                <a:solidFill>
-                  <a:srgbClr val="000000"/>
-                </a:solidFill>
-                <a:latin typeface="Calibri"/>
-                <a:cs typeface="Calibri"/>
-              </a:rPr>
-              <a:t>personalized</a:t>
-            </a:r>
-            <a:r>
-              <a:rPr sz="2400" b="0" spc="-75" dirty="0">
-                <a:solidFill>
-                  <a:srgbClr val="000000"/>
-                </a:solidFill>
-                <a:latin typeface="Calibri"/>
-                <a:cs typeface="Calibri"/>
-              </a:rPr>
-              <a:t> </a:t>
-            </a:r>
-            <a:r>
-              <a:rPr sz="2400" b="0" dirty="0">
-                <a:solidFill>
-                  <a:srgbClr val="000000"/>
-                </a:solidFill>
-                <a:latin typeface="Calibri"/>
-                <a:cs typeface="Calibri"/>
-              </a:rPr>
-              <a:t>workout</a:t>
-            </a:r>
-            <a:r>
-              <a:rPr sz="2400" b="0" spc="-70" dirty="0">
-                <a:solidFill>
-                  <a:srgbClr val="000000"/>
-                </a:solidFill>
-                <a:latin typeface="Calibri"/>
-                <a:cs typeface="Calibri"/>
-              </a:rPr>
-              <a:t> </a:t>
-            </a:r>
-            <a:r>
-              <a:rPr sz="2400" b="0" dirty="0">
-                <a:solidFill>
-                  <a:srgbClr val="000000"/>
-                </a:solidFill>
-                <a:latin typeface="Calibri"/>
-                <a:cs typeface="Calibri"/>
-              </a:rPr>
-              <a:t>plans,</a:t>
-            </a:r>
-            <a:r>
-              <a:rPr sz="2400" b="0" spc="-65" dirty="0">
-                <a:solidFill>
-                  <a:srgbClr val="000000"/>
-                </a:solidFill>
-                <a:latin typeface="Calibri"/>
-                <a:cs typeface="Calibri"/>
-              </a:rPr>
-              <a:t> </a:t>
-            </a:r>
-            <a:r>
-              <a:rPr sz="2400" b="0" dirty="0">
-                <a:solidFill>
-                  <a:srgbClr val="000000"/>
-                </a:solidFill>
-                <a:latin typeface="Calibri"/>
-                <a:cs typeface="Calibri"/>
-              </a:rPr>
-              <a:t>tailored</a:t>
-            </a:r>
-            <a:r>
-              <a:rPr sz="2400" b="0" spc="-75" dirty="0">
-                <a:solidFill>
-                  <a:srgbClr val="000000"/>
-                </a:solidFill>
-                <a:latin typeface="Calibri"/>
-                <a:cs typeface="Calibri"/>
-              </a:rPr>
-              <a:t> </a:t>
-            </a:r>
-            <a:r>
-              <a:rPr sz="2400" b="0" dirty="0">
-                <a:solidFill>
-                  <a:srgbClr val="000000"/>
-                </a:solidFill>
-                <a:latin typeface="Calibri"/>
-                <a:cs typeface="Calibri"/>
-              </a:rPr>
-              <a:t>diet</a:t>
-            </a:r>
-            <a:r>
-              <a:rPr sz="2400" b="0" spc="-75" dirty="0">
-                <a:solidFill>
-                  <a:srgbClr val="000000"/>
-                </a:solidFill>
-                <a:latin typeface="Calibri"/>
-                <a:cs typeface="Calibri"/>
-              </a:rPr>
-              <a:t> </a:t>
-            </a:r>
-            <a:r>
-              <a:rPr sz="2400" b="0" spc="-10" dirty="0">
-                <a:solidFill>
-                  <a:srgbClr val="000000"/>
-                </a:solidFill>
-                <a:latin typeface="Calibri"/>
-                <a:cs typeface="Calibri"/>
-              </a:rPr>
-              <a:t>recommendations,</a:t>
-            </a:r>
-            <a:r>
-              <a:rPr sz="2400" b="0" spc="-80" dirty="0">
-                <a:solidFill>
-                  <a:srgbClr val="000000"/>
-                </a:solidFill>
-                <a:latin typeface="Calibri"/>
-                <a:cs typeface="Calibri"/>
-              </a:rPr>
-              <a:t> </a:t>
-            </a:r>
-            <a:r>
-              <a:rPr sz="2400" b="0" spc="-25" dirty="0">
-                <a:solidFill>
-                  <a:srgbClr val="000000"/>
-                </a:solidFill>
-                <a:latin typeface="Calibri"/>
-                <a:cs typeface="Calibri"/>
-              </a:rPr>
-              <a:t>and </a:t>
-            </a:r>
-            <a:r>
-              <a:rPr sz="2400" b="0" dirty="0">
-                <a:solidFill>
-                  <a:srgbClr val="000000"/>
-                </a:solidFill>
-                <a:latin typeface="Calibri"/>
-                <a:cs typeface="Calibri"/>
-              </a:rPr>
-              <a:t>motivational</a:t>
-            </a:r>
-            <a:r>
-              <a:rPr sz="2400" b="0" spc="-60" dirty="0">
-                <a:solidFill>
-                  <a:srgbClr val="000000"/>
-                </a:solidFill>
-                <a:latin typeface="Calibri"/>
-                <a:cs typeface="Calibri"/>
-              </a:rPr>
-              <a:t> </a:t>
-            </a:r>
-            <a:r>
-              <a:rPr sz="2400" b="0" spc="-10" dirty="0">
-                <a:solidFill>
-                  <a:srgbClr val="000000"/>
-                </a:solidFill>
-                <a:latin typeface="Calibri"/>
-                <a:cs typeface="Calibri"/>
-              </a:rPr>
-              <a:t>content,</a:t>
-            </a:r>
-            <a:r>
-              <a:rPr sz="2400" b="0" spc="-40" dirty="0">
-                <a:solidFill>
-                  <a:srgbClr val="000000"/>
-                </a:solidFill>
-                <a:latin typeface="Calibri"/>
-                <a:cs typeface="Calibri"/>
-              </a:rPr>
-              <a:t> </a:t>
-            </a:r>
-            <a:r>
-              <a:rPr sz="2400" b="0" dirty="0">
-                <a:solidFill>
-                  <a:srgbClr val="000000"/>
-                </a:solidFill>
-                <a:latin typeface="Calibri"/>
-                <a:cs typeface="Calibri"/>
-              </a:rPr>
-              <a:t>it</a:t>
-            </a:r>
-            <a:r>
-              <a:rPr sz="2400" b="0" spc="-60" dirty="0">
-                <a:solidFill>
-                  <a:srgbClr val="000000"/>
-                </a:solidFill>
-                <a:latin typeface="Calibri"/>
-                <a:cs typeface="Calibri"/>
-              </a:rPr>
-              <a:t> </a:t>
-            </a:r>
-            <a:r>
-              <a:rPr sz="2400" b="0" spc="-10" dirty="0">
-                <a:solidFill>
-                  <a:srgbClr val="000000"/>
-                </a:solidFill>
-                <a:latin typeface="Calibri"/>
-                <a:cs typeface="Calibri"/>
-              </a:rPr>
-              <a:t>provides</a:t>
-            </a:r>
-            <a:r>
-              <a:rPr sz="2400" b="0" spc="-45" dirty="0">
-                <a:solidFill>
-                  <a:srgbClr val="000000"/>
-                </a:solidFill>
-                <a:latin typeface="Calibri"/>
-                <a:cs typeface="Calibri"/>
-              </a:rPr>
-              <a:t> </a:t>
-            </a:r>
-            <a:r>
-              <a:rPr sz="2400" b="0" dirty="0">
-                <a:solidFill>
-                  <a:srgbClr val="000000"/>
-                </a:solidFill>
-                <a:latin typeface="Calibri"/>
-                <a:cs typeface="Calibri"/>
-              </a:rPr>
-              <a:t>users</a:t>
-            </a:r>
-            <a:r>
-              <a:rPr sz="2400" b="0" spc="-55" dirty="0">
-                <a:solidFill>
-                  <a:srgbClr val="000000"/>
-                </a:solidFill>
-                <a:latin typeface="Calibri"/>
-                <a:cs typeface="Calibri"/>
-              </a:rPr>
-              <a:t> </a:t>
-            </a:r>
-            <a:r>
-              <a:rPr sz="2400" b="0" dirty="0">
-                <a:solidFill>
-                  <a:srgbClr val="000000"/>
-                </a:solidFill>
-                <a:latin typeface="Calibri"/>
-                <a:cs typeface="Calibri"/>
-              </a:rPr>
-              <a:t>with</a:t>
-            </a:r>
-            <a:r>
-              <a:rPr sz="2400" b="0" spc="-45" dirty="0">
-                <a:solidFill>
-                  <a:srgbClr val="000000"/>
-                </a:solidFill>
-                <a:latin typeface="Calibri"/>
-                <a:cs typeface="Calibri"/>
-              </a:rPr>
-              <a:t> </a:t>
-            </a:r>
-            <a:r>
-              <a:rPr sz="2400" b="0" dirty="0">
-                <a:solidFill>
-                  <a:srgbClr val="000000"/>
-                </a:solidFill>
-                <a:latin typeface="Calibri"/>
-                <a:cs typeface="Calibri"/>
-              </a:rPr>
-              <a:t>a</a:t>
-            </a:r>
-            <a:r>
-              <a:rPr sz="2400" b="0" spc="-55" dirty="0">
-                <a:solidFill>
-                  <a:srgbClr val="000000"/>
-                </a:solidFill>
-                <a:latin typeface="Calibri"/>
-                <a:cs typeface="Calibri"/>
-              </a:rPr>
-              <a:t> </a:t>
-            </a:r>
-            <a:r>
-              <a:rPr sz="2400" b="0" spc="-10" dirty="0">
-                <a:solidFill>
-                  <a:srgbClr val="000000"/>
-                </a:solidFill>
-                <a:latin typeface="Calibri"/>
-                <a:cs typeface="Calibri"/>
-              </a:rPr>
-              <a:t>comprehensive</a:t>
-            </a:r>
-            <a:r>
-              <a:rPr sz="2400" b="0" spc="-30" dirty="0">
-                <a:solidFill>
-                  <a:srgbClr val="000000"/>
-                </a:solidFill>
-                <a:latin typeface="Calibri"/>
-                <a:cs typeface="Calibri"/>
-              </a:rPr>
-              <a:t> </a:t>
-            </a:r>
-            <a:r>
-              <a:rPr sz="2400" b="0" dirty="0">
-                <a:solidFill>
-                  <a:srgbClr val="000000"/>
-                </a:solidFill>
-                <a:latin typeface="Calibri"/>
-                <a:cs typeface="Calibri"/>
-              </a:rPr>
-              <a:t>and</a:t>
-            </a:r>
-            <a:r>
-              <a:rPr sz="2400" b="0" spc="-45" dirty="0">
-                <a:solidFill>
-                  <a:srgbClr val="000000"/>
-                </a:solidFill>
-                <a:latin typeface="Calibri"/>
-                <a:cs typeface="Calibri"/>
-              </a:rPr>
-              <a:t> </a:t>
-            </a:r>
-            <a:r>
-              <a:rPr sz="2400" b="0" dirty="0">
-                <a:solidFill>
-                  <a:srgbClr val="000000"/>
-                </a:solidFill>
-                <a:latin typeface="Calibri"/>
-                <a:cs typeface="Calibri"/>
-              </a:rPr>
-              <a:t>dynamic</a:t>
-            </a:r>
-            <a:r>
-              <a:rPr sz="2400" b="0" spc="-65" dirty="0">
-                <a:solidFill>
-                  <a:srgbClr val="000000"/>
-                </a:solidFill>
-                <a:latin typeface="Calibri"/>
-                <a:cs typeface="Calibri"/>
-              </a:rPr>
-              <a:t> </a:t>
-            </a:r>
-            <a:r>
-              <a:rPr sz="2400" b="0" spc="-10" dirty="0">
-                <a:solidFill>
-                  <a:srgbClr val="000000"/>
-                </a:solidFill>
-                <a:latin typeface="Calibri"/>
-                <a:cs typeface="Calibri"/>
-              </a:rPr>
-              <a:t>fitness </a:t>
-            </a:r>
-            <a:r>
-              <a:rPr sz="2400" b="0" dirty="0">
-                <a:solidFill>
-                  <a:srgbClr val="000000"/>
-                </a:solidFill>
-                <a:latin typeface="Calibri"/>
-                <a:cs typeface="Calibri"/>
-              </a:rPr>
-              <a:t>companion.</a:t>
-            </a:r>
-            <a:r>
-              <a:rPr sz="2400" b="0" spc="-45" dirty="0">
-                <a:solidFill>
-                  <a:srgbClr val="000000"/>
-                </a:solidFill>
-                <a:latin typeface="Calibri"/>
-                <a:cs typeface="Calibri"/>
-              </a:rPr>
-              <a:t> </a:t>
-            </a:r>
-            <a:r>
-              <a:rPr sz="2400" b="0" dirty="0">
-                <a:solidFill>
-                  <a:srgbClr val="000000"/>
-                </a:solidFill>
-                <a:latin typeface="Calibri"/>
-                <a:cs typeface="Calibri"/>
-              </a:rPr>
-              <a:t>With</a:t>
-            </a:r>
-            <a:r>
-              <a:rPr sz="2400" b="0" spc="-45" dirty="0">
-                <a:solidFill>
-                  <a:srgbClr val="000000"/>
-                </a:solidFill>
-                <a:latin typeface="Calibri"/>
-                <a:cs typeface="Calibri"/>
-              </a:rPr>
-              <a:t> </a:t>
-            </a:r>
-            <a:r>
-              <a:rPr sz="2400" b="0" spc="-10" dirty="0">
-                <a:solidFill>
-                  <a:srgbClr val="000000"/>
-                </a:solidFill>
-                <a:latin typeface="Calibri"/>
-                <a:cs typeface="Calibri"/>
-              </a:rPr>
-              <a:t>features</a:t>
-            </a:r>
-            <a:r>
-              <a:rPr sz="2400" b="0" spc="-30" dirty="0">
-                <a:solidFill>
-                  <a:srgbClr val="000000"/>
-                </a:solidFill>
-                <a:latin typeface="Calibri"/>
-                <a:cs typeface="Calibri"/>
-              </a:rPr>
-              <a:t> </a:t>
-            </a:r>
-            <a:r>
-              <a:rPr sz="2400" b="0" dirty="0">
-                <a:solidFill>
-                  <a:srgbClr val="000000"/>
-                </a:solidFill>
-                <a:latin typeface="Calibri"/>
-                <a:cs typeface="Calibri"/>
-              </a:rPr>
-              <a:t>like</a:t>
-            </a:r>
-            <a:r>
-              <a:rPr sz="2400" b="0" spc="-55" dirty="0">
-                <a:solidFill>
-                  <a:srgbClr val="000000"/>
-                </a:solidFill>
-                <a:latin typeface="Calibri"/>
-                <a:cs typeface="Calibri"/>
-              </a:rPr>
-              <a:t> </a:t>
-            </a:r>
-            <a:r>
-              <a:rPr sz="2400" b="0" spc="-25" dirty="0">
-                <a:solidFill>
-                  <a:srgbClr val="000000"/>
-                </a:solidFill>
-                <a:latin typeface="Calibri"/>
-                <a:cs typeface="Calibri"/>
-              </a:rPr>
-              <a:t>real-</a:t>
-            </a:r>
-            <a:r>
-              <a:rPr sz="2400" b="0" dirty="0">
-                <a:solidFill>
-                  <a:srgbClr val="000000"/>
-                </a:solidFill>
-                <a:latin typeface="Calibri"/>
-                <a:cs typeface="Calibri"/>
-              </a:rPr>
-              <a:t>time</a:t>
-            </a:r>
-            <a:r>
-              <a:rPr sz="2400" b="0" spc="-40" dirty="0">
-                <a:solidFill>
-                  <a:srgbClr val="000000"/>
-                </a:solidFill>
-                <a:latin typeface="Calibri"/>
-                <a:cs typeface="Calibri"/>
-              </a:rPr>
-              <a:t> </a:t>
-            </a:r>
-            <a:r>
-              <a:rPr sz="2400" b="0" spc="-20" dirty="0">
-                <a:solidFill>
-                  <a:srgbClr val="000000"/>
-                </a:solidFill>
-                <a:latin typeface="Calibri"/>
-                <a:cs typeface="Calibri"/>
-              </a:rPr>
-              <a:t>adaptability,</a:t>
-            </a:r>
-            <a:r>
-              <a:rPr sz="2400" b="0" spc="-55" dirty="0">
-                <a:solidFill>
-                  <a:srgbClr val="000000"/>
-                </a:solidFill>
-                <a:latin typeface="Calibri"/>
-                <a:cs typeface="Calibri"/>
-              </a:rPr>
-              <a:t> </a:t>
-            </a:r>
-            <a:r>
-              <a:rPr sz="2400" b="0" dirty="0">
-                <a:solidFill>
-                  <a:srgbClr val="000000"/>
-                </a:solidFill>
-                <a:latin typeface="Calibri"/>
-                <a:cs typeface="Calibri"/>
-              </a:rPr>
-              <a:t>predictive</a:t>
-            </a:r>
-            <a:r>
-              <a:rPr sz="2400" b="0" spc="-30" dirty="0">
-                <a:solidFill>
-                  <a:srgbClr val="000000"/>
-                </a:solidFill>
-                <a:latin typeface="Calibri"/>
-                <a:cs typeface="Calibri"/>
-              </a:rPr>
-              <a:t> </a:t>
-            </a:r>
-            <a:r>
-              <a:rPr sz="2400" b="0" dirty="0">
-                <a:solidFill>
-                  <a:srgbClr val="000000"/>
-                </a:solidFill>
-                <a:latin typeface="Calibri"/>
-                <a:cs typeface="Calibri"/>
-              </a:rPr>
-              <a:t>analytics,</a:t>
-            </a:r>
-            <a:r>
-              <a:rPr sz="2400" b="0" spc="-60" dirty="0">
-                <a:solidFill>
-                  <a:srgbClr val="000000"/>
-                </a:solidFill>
-                <a:latin typeface="Calibri"/>
-                <a:cs typeface="Calibri"/>
-              </a:rPr>
-              <a:t> </a:t>
-            </a:r>
-            <a:r>
-              <a:rPr sz="2400" b="0" dirty="0">
-                <a:solidFill>
-                  <a:srgbClr val="000000"/>
-                </a:solidFill>
-                <a:latin typeface="Calibri"/>
-                <a:cs typeface="Calibri"/>
-              </a:rPr>
-              <a:t>and</a:t>
-            </a:r>
-            <a:r>
-              <a:rPr sz="2400" b="0" spc="-35" dirty="0">
-                <a:solidFill>
-                  <a:srgbClr val="000000"/>
-                </a:solidFill>
-                <a:latin typeface="Calibri"/>
-                <a:cs typeface="Calibri"/>
-              </a:rPr>
-              <a:t> </a:t>
-            </a:r>
-            <a:r>
-              <a:rPr sz="2400" b="0" spc="-10" dirty="0">
-                <a:solidFill>
-                  <a:srgbClr val="000000"/>
-                </a:solidFill>
-                <a:latin typeface="Calibri"/>
-                <a:cs typeface="Calibri"/>
-              </a:rPr>
-              <a:t>user- </a:t>
-            </a:r>
-            <a:r>
-              <a:rPr sz="2400" b="0" dirty="0">
-                <a:solidFill>
-                  <a:srgbClr val="000000"/>
-                </a:solidFill>
-                <a:latin typeface="Calibri"/>
-                <a:cs typeface="Calibri"/>
-              </a:rPr>
-              <a:t>centric</a:t>
-            </a:r>
-            <a:r>
-              <a:rPr sz="2400" b="0" spc="-80" dirty="0">
-                <a:solidFill>
-                  <a:srgbClr val="000000"/>
-                </a:solidFill>
-                <a:latin typeface="Calibri"/>
-                <a:cs typeface="Calibri"/>
-              </a:rPr>
-              <a:t> </a:t>
-            </a:r>
-            <a:r>
-              <a:rPr sz="2400" b="0" dirty="0">
-                <a:solidFill>
-                  <a:srgbClr val="000000"/>
-                </a:solidFill>
-                <a:latin typeface="Calibri"/>
-                <a:cs typeface="Calibri"/>
-              </a:rPr>
-              <a:t>design,</a:t>
-            </a:r>
-            <a:r>
-              <a:rPr sz="2400" b="0" spc="-55" dirty="0">
-                <a:solidFill>
-                  <a:srgbClr val="000000"/>
-                </a:solidFill>
-                <a:latin typeface="Calibri"/>
-                <a:cs typeface="Calibri"/>
-              </a:rPr>
-              <a:t> </a:t>
-            </a:r>
-            <a:r>
-              <a:rPr sz="2400" b="0" dirty="0">
-                <a:solidFill>
-                  <a:srgbClr val="000000"/>
-                </a:solidFill>
-                <a:latin typeface="Calibri"/>
-                <a:cs typeface="Calibri"/>
-              </a:rPr>
-              <a:t>FitFusion</a:t>
-            </a:r>
-            <a:r>
-              <a:rPr sz="2400" b="0" spc="-65" dirty="0">
-                <a:solidFill>
-                  <a:srgbClr val="000000"/>
-                </a:solidFill>
-                <a:latin typeface="Calibri"/>
-                <a:cs typeface="Calibri"/>
-              </a:rPr>
-              <a:t> </a:t>
-            </a:r>
-            <a:r>
-              <a:rPr sz="2400" b="0" dirty="0">
-                <a:solidFill>
-                  <a:srgbClr val="000000"/>
-                </a:solidFill>
-                <a:latin typeface="Calibri"/>
-                <a:cs typeface="Calibri"/>
-              </a:rPr>
-              <a:t>ensures</a:t>
-            </a:r>
-            <a:r>
-              <a:rPr sz="2400" b="0" spc="-50" dirty="0">
-                <a:solidFill>
-                  <a:srgbClr val="000000"/>
-                </a:solidFill>
-                <a:latin typeface="Calibri"/>
-                <a:cs typeface="Calibri"/>
-              </a:rPr>
-              <a:t> </a:t>
-            </a:r>
-            <a:r>
-              <a:rPr sz="2400" b="0" dirty="0">
-                <a:solidFill>
-                  <a:srgbClr val="000000"/>
-                </a:solidFill>
-                <a:latin typeface="Calibri"/>
-                <a:cs typeface="Calibri"/>
-              </a:rPr>
-              <a:t>a</a:t>
-            </a:r>
-            <a:r>
-              <a:rPr sz="2400" b="0" spc="-60" dirty="0">
-                <a:solidFill>
-                  <a:srgbClr val="000000"/>
-                </a:solidFill>
-                <a:latin typeface="Calibri"/>
-                <a:cs typeface="Calibri"/>
-              </a:rPr>
-              <a:t> </a:t>
-            </a:r>
-            <a:r>
-              <a:rPr sz="2400" b="0" dirty="0">
-                <a:solidFill>
-                  <a:srgbClr val="000000"/>
-                </a:solidFill>
-                <a:latin typeface="Calibri"/>
-                <a:cs typeface="Calibri"/>
-              </a:rPr>
-              <a:t>holistic</a:t>
-            </a:r>
-            <a:r>
-              <a:rPr sz="2400" b="0" spc="-75" dirty="0">
-                <a:solidFill>
-                  <a:srgbClr val="000000"/>
-                </a:solidFill>
-                <a:latin typeface="Calibri"/>
-                <a:cs typeface="Calibri"/>
-              </a:rPr>
-              <a:t> </a:t>
-            </a:r>
-            <a:r>
-              <a:rPr sz="2400" b="0" dirty="0">
-                <a:solidFill>
-                  <a:srgbClr val="000000"/>
-                </a:solidFill>
-                <a:latin typeface="Calibri"/>
-                <a:cs typeface="Calibri"/>
-              </a:rPr>
-              <a:t>wellness</a:t>
-            </a:r>
-            <a:r>
-              <a:rPr sz="2400" b="0" spc="-65" dirty="0">
-                <a:solidFill>
-                  <a:srgbClr val="000000"/>
-                </a:solidFill>
-                <a:latin typeface="Calibri"/>
-                <a:cs typeface="Calibri"/>
-              </a:rPr>
-              <a:t> </a:t>
-            </a:r>
-            <a:r>
-              <a:rPr sz="2400" b="0" dirty="0">
-                <a:solidFill>
-                  <a:srgbClr val="000000"/>
-                </a:solidFill>
-                <a:latin typeface="Calibri"/>
-                <a:cs typeface="Calibri"/>
-              </a:rPr>
-              <a:t>journey</a:t>
-            </a:r>
-            <a:r>
-              <a:rPr sz="2400" b="0" spc="-55" dirty="0">
-                <a:solidFill>
-                  <a:srgbClr val="000000"/>
-                </a:solidFill>
-                <a:latin typeface="Calibri"/>
-                <a:cs typeface="Calibri"/>
-              </a:rPr>
-              <a:t> </a:t>
-            </a:r>
-            <a:r>
-              <a:rPr sz="2400" b="0" dirty="0">
-                <a:solidFill>
-                  <a:srgbClr val="000000"/>
-                </a:solidFill>
-                <a:latin typeface="Calibri"/>
-                <a:cs typeface="Calibri"/>
-              </a:rPr>
-              <a:t>that</a:t>
-            </a:r>
-            <a:r>
-              <a:rPr sz="2400" b="0" spc="-70" dirty="0">
-                <a:solidFill>
-                  <a:srgbClr val="000000"/>
-                </a:solidFill>
-                <a:latin typeface="Calibri"/>
-                <a:cs typeface="Calibri"/>
-              </a:rPr>
-              <a:t> </a:t>
-            </a:r>
-            <a:r>
-              <a:rPr sz="2400" b="0" dirty="0">
-                <a:solidFill>
-                  <a:srgbClr val="000000"/>
-                </a:solidFill>
-                <a:latin typeface="Calibri"/>
-                <a:cs typeface="Calibri"/>
-              </a:rPr>
-              <a:t>is</a:t>
-            </a:r>
-            <a:r>
-              <a:rPr sz="2400" b="0" spc="-55" dirty="0">
-                <a:solidFill>
-                  <a:srgbClr val="000000"/>
-                </a:solidFill>
-                <a:latin typeface="Calibri"/>
-                <a:cs typeface="Calibri"/>
-              </a:rPr>
-              <a:t> </a:t>
-            </a:r>
-            <a:r>
-              <a:rPr sz="2400" b="0" dirty="0">
-                <a:solidFill>
-                  <a:srgbClr val="000000"/>
-                </a:solidFill>
-                <a:latin typeface="Calibri"/>
-                <a:cs typeface="Calibri"/>
-              </a:rPr>
-              <a:t>both</a:t>
-            </a:r>
-            <a:r>
-              <a:rPr sz="2400" b="0" spc="-60" dirty="0">
-                <a:solidFill>
-                  <a:srgbClr val="000000"/>
-                </a:solidFill>
-                <a:latin typeface="Calibri"/>
-                <a:cs typeface="Calibri"/>
-              </a:rPr>
-              <a:t> </a:t>
-            </a:r>
-            <a:r>
-              <a:rPr sz="2400" b="0" dirty="0">
-                <a:solidFill>
-                  <a:srgbClr val="000000"/>
-                </a:solidFill>
-                <a:latin typeface="Calibri"/>
-                <a:cs typeface="Calibri"/>
-              </a:rPr>
-              <a:t>engaging</a:t>
-            </a:r>
-            <a:r>
-              <a:rPr sz="2400" b="0" spc="-75" dirty="0">
-                <a:solidFill>
-                  <a:srgbClr val="000000"/>
-                </a:solidFill>
-                <a:latin typeface="Calibri"/>
-                <a:cs typeface="Calibri"/>
-              </a:rPr>
-              <a:t> </a:t>
-            </a:r>
-            <a:r>
-              <a:rPr sz="2400" b="0" spc="-25" dirty="0">
-                <a:solidFill>
-                  <a:srgbClr val="000000"/>
-                </a:solidFill>
-                <a:latin typeface="Calibri"/>
-                <a:cs typeface="Calibri"/>
-              </a:rPr>
-              <a:t>and </a:t>
-            </a:r>
-            <a:r>
-              <a:rPr sz="2400" b="0" spc="-10" dirty="0">
-                <a:solidFill>
-                  <a:srgbClr val="000000"/>
-                </a:solidFill>
-                <a:latin typeface="Calibri"/>
-                <a:cs typeface="Calibri"/>
-              </a:rPr>
-              <a:t>effective.</a:t>
-            </a:r>
-            <a:r>
-              <a:rPr sz="2400" b="0" spc="-65" dirty="0">
-                <a:solidFill>
-                  <a:srgbClr val="000000"/>
-                </a:solidFill>
-                <a:latin typeface="Calibri"/>
-                <a:cs typeface="Calibri"/>
-              </a:rPr>
-              <a:t> </a:t>
-            </a:r>
-            <a:r>
-              <a:rPr sz="2400" b="0" dirty="0">
-                <a:solidFill>
-                  <a:srgbClr val="000000"/>
-                </a:solidFill>
-                <a:latin typeface="Calibri"/>
-                <a:cs typeface="Calibri"/>
-              </a:rPr>
-              <a:t>This</a:t>
-            </a:r>
-            <a:r>
-              <a:rPr sz="2400" b="0" spc="-80" dirty="0">
-                <a:solidFill>
-                  <a:srgbClr val="000000"/>
-                </a:solidFill>
-                <a:latin typeface="Calibri"/>
-                <a:cs typeface="Calibri"/>
-              </a:rPr>
-              <a:t> </a:t>
-            </a:r>
-            <a:r>
-              <a:rPr sz="2400" b="0" spc="-10" dirty="0">
-                <a:solidFill>
-                  <a:srgbClr val="000000"/>
-                </a:solidFill>
-                <a:latin typeface="Calibri"/>
-                <a:cs typeface="Calibri"/>
-              </a:rPr>
-              <a:t>innovative</a:t>
-            </a:r>
-            <a:r>
-              <a:rPr sz="2400" b="0" spc="-50" dirty="0">
-                <a:solidFill>
-                  <a:srgbClr val="000000"/>
-                </a:solidFill>
-                <a:latin typeface="Calibri"/>
-                <a:cs typeface="Calibri"/>
-              </a:rPr>
-              <a:t> </a:t>
-            </a:r>
-            <a:r>
-              <a:rPr sz="2400" b="0" spc="-10" dirty="0">
-                <a:solidFill>
-                  <a:srgbClr val="000000"/>
-                </a:solidFill>
-                <a:latin typeface="Calibri"/>
-                <a:cs typeface="Calibri"/>
-              </a:rPr>
-              <a:t>platform</a:t>
-            </a:r>
-            <a:r>
-              <a:rPr sz="2400" b="0" spc="-80" dirty="0">
-                <a:solidFill>
-                  <a:srgbClr val="000000"/>
-                </a:solidFill>
-                <a:latin typeface="Calibri"/>
-                <a:cs typeface="Calibri"/>
-              </a:rPr>
-              <a:t> </a:t>
-            </a:r>
-            <a:r>
-              <a:rPr sz="2400" b="0" spc="-10" dirty="0">
-                <a:solidFill>
-                  <a:srgbClr val="000000"/>
-                </a:solidFill>
-                <a:latin typeface="Calibri"/>
-                <a:cs typeface="Calibri"/>
-              </a:rPr>
-              <a:t>redefines</a:t>
-            </a:r>
-            <a:r>
-              <a:rPr sz="2400" b="0" spc="-65" dirty="0">
-                <a:solidFill>
-                  <a:srgbClr val="000000"/>
-                </a:solidFill>
-                <a:latin typeface="Calibri"/>
-                <a:cs typeface="Calibri"/>
-              </a:rPr>
-              <a:t> </a:t>
-            </a:r>
-            <a:r>
-              <a:rPr sz="2400" b="0" dirty="0">
-                <a:solidFill>
-                  <a:srgbClr val="000000"/>
-                </a:solidFill>
-                <a:latin typeface="Calibri"/>
-                <a:cs typeface="Calibri"/>
-              </a:rPr>
-              <a:t>fitness,</a:t>
-            </a:r>
-            <a:r>
-              <a:rPr sz="2400" b="0" spc="-65" dirty="0">
-                <a:solidFill>
-                  <a:srgbClr val="000000"/>
-                </a:solidFill>
-                <a:latin typeface="Calibri"/>
-                <a:cs typeface="Calibri"/>
-              </a:rPr>
-              <a:t> </a:t>
-            </a:r>
-            <a:r>
-              <a:rPr sz="2400" b="0" dirty="0">
-                <a:solidFill>
-                  <a:srgbClr val="000000"/>
-                </a:solidFill>
-                <a:latin typeface="Calibri"/>
-                <a:cs typeface="Calibri"/>
-              </a:rPr>
-              <a:t>empowering</a:t>
-            </a:r>
-            <a:r>
-              <a:rPr sz="2400" b="0" spc="-90" dirty="0">
-                <a:solidFill>
-                  <a:srgbClr val="000000"/>
-                </a:solidFill>
-                <a:latin typeface="Calibri"/>
-                <a:cs typeface="Calibri"/>
-              </a:rPr>
-              <a:t> </a:t>
-            </a:r>
-            <a:r>
-              <a:rPr sz="2400" b="0" dirty="0">
-                <a:solidFill>
-                  <a:srgbClr val="000000"/>
-                </a:solidFill>
-                <a:latin typeface="Calibri"/>
-                <a:cs typeface="Calibri"/>
-              </a:rPr>
-              <a:t>users</a:t>
-            </a:r>
-            <a:r>
-              <a:rPr sz="2400" b="0" spc="-70" dirty="0">
-                <a:solidFill>
-                  <a:srgbClr val="000000"/>
-                </a:solidFill>
-                <a:latin typeface="Calibri"/>
-                <a:cs typeface="Calibri"/>
-              </a:rPr>
-              <a:t> </a:t>
-            </a:r>
-            <a:r>
-              <a:rPr sz="2400" b="0" dirty="0">
-                <a:solidFill>
-                  <a:srgbClr val="000000"/>
-                </a:solidFill>
-                <a:latin typeface="Calibri"/>
-                <a:cs typeface="Calibri"/>
-              </a:rPr>
-              <a:t>to</a:t>
-            </a:r>
-            <a:r>
-              <a:rPr sz="2400" b="0" spc="-80" dirty="0">
-                <a:solidFill>
-                  <a:srgbClr val="000000"/>
-                </a:solidFill>
-                <a:latin typeface="Calibri"/>
-                <a:cs typeface="Calibri"/>
-              </a:rPr>
-              <a:t> </a:t>
-            </a:r>
-            <a:r>
-              <a:rPr sz="2400" b="0" dirty="0">
-                <a:solidFill>
-                  <a:srgbClr val="000000"/>
-                </a:solidFill>
-                <a:latin typeface="Calibri"/>
-                <a:cs typeface="Calibri"/>
-              </a:rPr>
-              <a:t>achieve</a:t>
-            </a:r>
-            <a:r>
-              <a:rPr sz="2400" b="0" spc="-75" dirty="0">
-                <a:solidFill>
-                  <a:srgbClr val="000000"/>
-                </a:solidFill>
-                <a:latin typeface="Calibri"/>
-                <a:cs typeface="Calibri"/>
-              </a:rPr>
-              <a:t> </a:t>
-            </a:r>
-            <a:r>
-              <a:rPr sz="2400" b="0" spc="-10" dirty="0">
-                <a:solidFill>
-                  <a:srgbClr val="000000"/>
-                </a:solidFill>
-                <a:latin typeface="Calibri"/>
-                <a:cs typeface="Calibri"/>
-              </a:rPr>
-              <a:t>their </a:t>
-            </a:r>
-            <a:r>
-              <a:rPr sz="2400" b="0" dirty="0">
-                <a:solidFill>
-                  <a:srgbClr val="000000"/>
-                </a:solidFill>
-                <a:latin typeface="Calibri"/>
-                <a:cs typeface="Calibri"/>
-              </a:rPr>
-              <a:t>health</a:t>
-            </a:r>
-            <a:r>
-              <a:rPr sz="2400" b="0" spc="-60" dirty="0">
-                <a:solidFill>
-                  <a:srgbClr val="000000"/>
-                </a:solidFill>
-                <a:latin typeface="Calibri"/>
-                <a:cs typeface="Calibri"/>
-              </a:rPr>
-              <a:t> </a:t>
-            </a:r>
-            <a:r>
-              <a:rPr sz="2400" b="0" dirty="0">
-                <a:solidFill>
-                  <a:srgbClr val="000000"/>
-                </a:solidFill>
-                <a:latin typeface="Calibri"/>
-                <a:cs typeface="Calibri"/>
-              </a:rPr>
-              <a:t>goals</a:t>
-            </a:r>
-            <a:r>
-              <a:rPr sz="2400" b="0" spc="-70" dirty="0">
-                <a:solidFill>
-                  <a:srgbClr val="000000"/>
-                </a:solidFill>
-                <a:latin typeface="Calibri"/>
-                <a:cs typeface="Calibri"/>
-              </a:rPr>
-              <a:t> </a:t>
-            </a:r>
-            <a:r>
-              <a:rPr sz="2400" b="0" dirty="0">
-                <a:solidFill>
-                  <a:srgbClr val="000000"/>
-                </a:solidFill>
-                <a:latin typeface="Calibri"/>
-                <a:cs typeface="Calibri"/>
-              </a:rPr>
-              <a:t>with</a:t>
-            </a:r>
-            <a:r>
-              <a:rPr sz="2400" b="0" spc="-70" dirty="0">
-                <a:solidFill>
-                  <a:srgbClr val="000000"/>
-                </a:solidFill>
-                <a:latin typeface="Calibri"/>
-                <a:cs typeface="Calibri"/>
-              </a:rPr>
-              <a:t> </a:t>
-            </a:r>
-            <a:r>
-              <a:rPr sz="2400" b="0" dirty="0">
-                <a:solidFill>
-                  <a:srgbClr val="000000"/>
-                </a:solidFill>
-                <a:latin typeface="Calibri"/>
-                <a:cs typeface="Calibri"/>
-              </a:rPr>
-              <a:t>precision</a:t>
-            </a:r>
-            <a:r>
-              <a:rPr sz="2400" b="0" spc="-55" dirty="0">
-                <a:solidFill>
-                  <a:srgbClr val="000000"/>
-                </a:solidFill>
-                <a:latin typeface="Calibri"/>
-                <a:cs typeface="Calibri"/>
-              </a:rPr>
-              <a:t> </a:t>
-            </a:r>
-            <a:r>
-              <a:rPr sz="2400" b="0" dirty="0">
-                <a:solidFill>
-                  <a:srgbClr val="000000"/>
-                </a:solidFill>
-                <a:latin typeface="Calibri"/>
-                <a:cs typeface="Calibri"/>
-              </a:rPr>
-              <a:t>and</a:t>
-            </a:r>
-            <a:r>
-              <a:rPr sz="2400" b="0" spc="-55" dirty="0">
-                <a:solidFill>
-                  <a:srgbClr val="000000"/>
-                </a:solidFill>
-                <a:latin typeface="Calibri"/>
-                <a:cs typeface="Calibri"/>
-              </a:rPr>
-              <a:t> </a:t>
-            </a:r>
-            <a:r>
-              <a:rPr sz="2400" b="0" spc="-20" dirty="0">
-                <a:solidFill>
-                  <a:srgbClr val="000000"/>
-                </a:solidFill>
-                <a:latin typeface="Calibri"/>
-                <a:cs typeface="Calibri"/>
-              </a:rPr>
-              <a:t>ease</a:t>
-            </a:r>
-            <a:endParaRPr sz="2400" dirty="0">
-              <a:latin typeface="Calibri"/>
-              <a:cs typeface="Calibri"/>
-            </a:endParaRPr>
           </a:p>
         </p:txBody>
       </p:sp>
@@ -9299,6 +7859,165 @@
             <a:r>
               <a:rPr spc="-10" dirty="0"/>
               <a:t>Review</a:t>
+            </a:r>
+          </a:p>
+        </p:txBody>
+      </p:sp>
+      <p:sp>
+        <p:nvSpPr>
+          <p:cNvPr id="10" name="Rectangle 1">
+            <a:extLst>
+              <a:ext uri="{FF2B5EF4-FFF2-40B4-BE49-F238E27FC236}">
+                <a16:creationId xmlns:a16="http://schemas.microsoft.com/office/drawing/2014/main" id="{BE9FE8BC-1D05-2CF6-A794-36C30C81C147}"/>
+              </a:ext>
+            </a:extLst>
+          </p:cNvPr>
+          <p:cNvSpPr>
+            <a:spLocks noChangeArrowheads="1"/>
+          </p:cNvSpPr>
+          <p:nvPr/>
+        </p:nvSpPr>
+        <p:spPr bwMode="auto">
+          <a:xfrm>
+            <a:off x="578224" y="1416315"/>
+            <a:ext cx="11160886" cy="4154984"/>
+          </a:xfrm>
+          <a:prstGeom prst="rect">
+            <a:avLst/>
+          </a:prstGeom>
+          <a:noFill/>
+          <a:ln>
+            <a:noFill/>
+          </a:ln>
+          <a:effectLst/>
+          <a:extLst>
+            <a:ext uri="{909E8E84-426E-40DD-AFC4-6F175D3DCCD1}">
+              <a14:hiddenFill xmlns:a14="http://schemas.microsoft.com/office/drawing/2010/main">
+                <a:solidFill>
+                  <a:schemeClr val="accent1"/>
+                </a:solidFill>
+              </a14:hiddenFill>
+            </a:ext>
+            <a:ext uri="{91240B29-F687-4F45-9708-019B960494DF}">
+              <a14:hiddenLine xmlns:a14="http://schemas.microsoft.com/office/drawing/2010/main" w="9525">
+                <a:solidFill>
+                  <a:schemeClr val="tx1"/>
+                </a:solidFill>
+                <a:miter lim="800000"/>
+                <a:headEnd/>
+                <a:tailEnd/>
+              </a14:hiddenLine>
+            </a:ext>
+            <a:ext uri="{AF507438-7753-43E0-B8FC-AC1667EBCBE1}">
+              <a14:hiddenEffects xmlns:a14="http://schemas.microsoft.com/office/drawing/2010/main">
+                <a:effectLst>
+                  <a:outerShdw dist="35921" dir="2700000" algn="ctr" rotWithShape="0">
+                    <a:schemeClr val="bg2"/>
+                  </a:outerShdw>
+                </a:effectLst>
+              </a14:hiddenEffects>
+            </a:ext>
+          </a:extLst>
+        </p:spPr>
+        <p:txBody>
+          <a:bodyPr vert="horz" wrap="square" lIns="91440" tIns="45720" rIns="91440" bIns="45720" numCol="1" anchor="ctr" anchorCtr="0" compatLnSpc="1">
+            <a:prstTxWarp prst="textNoShape">
+              <a:avLst/>
+            </a:prstTxWarp>
+            <a:spAutoFit/>
+          </a:bodyPr>
+          <a:lstStyle/>
+          <a:p>
+            <a:pPr marL="0" marR="0" lvl="0" indent="0" algn="just" defTabSz="914400" rtl="0" eaLnBrk="0" fontAlgn="base" latinLnBrk="0" hangingPunct="0">
+              <a:lnSpc>
+                <a:spcPct val="100000"/>
+              </a:lnSpc>
+              <a:spcBef>
+                <a:spcPct val="0"/>
+              </a:spcBef>
+              <a:spcAft>
+                <a:spcPct val="0"/>
+              </a:spcAft>
+              <a:buClrTx/>
+              <a:buSzTx/>
+              <a:buFontTx/>
+              <a:buNone/>
+              <a:tabLst/>
+            </a:pPr>
+            <a:r>
+              <a:rPr kumimoji="0" lang="en-US" altLang="en-US" sz="2400" b="0" i="0" u="none" strike="noStrike" cap="none" normalizeH="0" baseline="0" dirty="0">
+                <a:ln>
+                  <a:noFill/>
+                </a:ln>
+                <a:solidFill>
+                  <a:schemeClr val="tx1"/>
+                </a:solidFill>
+                <a:effectLst/>
+                <a:latin typeface="Times New Roman" panose="02020603050405020304" pitchFamily="18" charset="0"/>
+                <a:cs typeface="Times New Roman" panose="02020603050405020304" pitchFamily="18" charset="0"/>
+              </a:rPr>
+              <a:t>FitFusion successfully addresses the limitations of traditional fitness applications by offering AI-driven, personalized workout and diet plans based on user-specific inputs. By leveraging machine learning, it adapts to individual goals, fitness levels, and dietary preferences, ensuring a more tailored and effective approach to health and wellness. The platform enhances user engagement, eliminates guesswork, and provides data-driven recommendations, making fitness more accessible and results-oriented.</a:t>
+            </a:r>
+          </a:p>
+          <a:p>
+            <a:pPr marL="0" marR="0" lvl="0" indent="0" algn="just" defTabSz="914400" rtl="0" eaLnBrk="0" fontAlgn="base" latinLnBrk="0" hangingPunct="0">
+              <a:lnSpc>
+                <a:spcPct val="100000"/>
+              </a:lnSpc>
+              <a:spcBef>
+                <a:spcPct val="0"/>
+              </a:spcBef>
+              <a:spcAft>
+                <a:spcPct val="0"/>
+              </a:spcAft>
+              <a:buClrTx/>
+              <a:buSzTx/>
+              <a:buFontTx/>
+              <a:buNone/>
+              <a:tabLst/>
+            </a:pPr>
+            <a:endParaRPr kumimoji="0" lang="en-US" altLang="en-US" sz="2400" b="0" i="0" u="none" strike="noStrike" cap="none" normalizeH="0" baseline="0" dirty="0">
+              <a:ln>
+                <a:noFill/>
+              </a:ln>
+              <a:solidFill>
+                <a:schemeClr val="tx1"/>
+              </a:solidFill>
+              <a:effectLst/>
+              <a:latin typeface="Times New Roman" panose="02020603050405020304" pitchFamily="18" charset="0"/>
+              <a:cs typeface="Times New Roman" panose="02020603050405020304" pitchFamily="18" charset="0"/>
+            </a:endParaRPr>
+          </a:p>
+          <a:p>
+            <a:pPr marL="0" marR="0" lvl="0" indent="0" algn="just" defTabSz="914400" rtl="0" eaLnBrk="0" fontAlgn="base" latinLnBrk="0" hangingPunct="0">
+              <a:lnSpc>
+                <a:spcPct val="100000"/>
+              </a:lnSpc>
+              <a:spcBef>
+                <a:spcPct val="0"/>
+              </a:spcBef>
+              <a:spcAft>
+                <a:spcPct val="0"/>
+              </a:spcAft>
+              <a:buClrTx/>
+              <a:buSzTx/>
+              <a:buFontTx/>
+              <a:buNone/>
+              <a:tabLst/>
+            </a:pPr>
+            <a:r>
+              <a:rPr kumimoji="0" lang="en-US" altLang="en-US" sz="2400" b="0" i="0" u="none" strike="noStrike" cap="none" normalizeH="0" baseline="0" dirty="0">
+                <a:ln>
+                  <a:noFill/>
+                </a:ln>
+                <a:solidFill>
+                  <a:schemeClr val="tx1"/>
+                </a:solidFill>
+                <a:effectLst/>
+                <a:latin typeface="Times New Roman" panose="02020603050405020304" pitchFamily="18" charset="0"/>
+                <a:cs typeface="Times New Roman" panose="02020603050405020304" pitchFamily="18" charset="0"/>
+              </a:rPr>
+              <a:t>Moving forward, FitFusion can be expanded by integrating wearable device data, mental wellness tracking, and AI-powered virtual coaching for a more holistic fitness experience. With its intelligent, user-centric approach, FitFusion sets a new standard for digital fitness solutions, promoting smarter and more sustainable health transformations.</a:t>
             </a:r>
           </a:p>
         </p:txBody>
@@ -9712,7 +8431,7 @@
         </p:nvSpPr>
         <p:spPr>
           <a:xfrm>
-            <a:off x="522833" y="507058"/>
+            <a:off x="522833" y="457200"/>
             <a:ext cx="1859280" cy="696595"/>
           </a:xfrm>
           <a:prstGeom prst="rect">
@@ -9954,8 +8673,8 @@
         </p:nvSpPr>
         <p:spPr>
           <a:xfrm>
-            <a:off x="1066800" y="1339134"/>
-            <a:ext cx="5344262" cy="4604466"/>
+            <a:off x="683278" y="1153795"/>
+            <a:ext cx="5344262" cy="5181547"/>
           </a:xfrm>
           <a:prstGeom prst="rect">
             <a:avLst/>
@@ -9981,13 +8700,13 @@
               </a:tabLst>
             </a:pPr>
             <a:r>
-              <a:rPr sz="2400" spc="-10" dirty="0">
+              <a:rPr sz="2000" spc="-10" dirty="0">
                 <a:latin typeface="Times New Roman"/>
                 <a:cs typeface="Times New Roman"/>
               </a:rPr>
               <a:t>Abstract</a:t>
             </a:r>
-            <a:endParaRPr sz="2400" dirty="0">
+            <a:endParaRPr sz="2000" dirty="0">
               <a:latin typeface="Times New Roman"/>
               <a:cs typeface="Times New Roman"/>
             </a:endParaRPr>
@@ -10007,13 +8726,13 @@
               </a:tabLst>
             </a:pPr>
             <a:r>
-              <a:rPr sz="2400" spc="-10" dirty="0">
+              <a:rPr sz="2000" spc="-10" dirty="0">
                 <a:latin typeface="Times New Roman"/>
                 <a:cs typeface="Times New Roman"/>
               </a:rPr>
               <a:t>Introduction</a:t>
             </a:r>
-            <a:endParaRPr sz="2400" dirty="0">
+            <a:endParaRPr sz="2000" dirty="0">
               <a:latin typeface="Times New Roman"/>
               <a:cs typeface="Times New Roman"/>
             </a:endParaRPr>
@@ -10033,27 +8752,27 @@
               </a:tabLst>
             </a:pPr>
             <a:r>
-              <a:rPr sz="2400" dirty="0">
+              <a:rPr sz="2000" dirty="0">
                 <a:latin typeface="Times New Roman"/>
                 <a:cs typeface="Times New Roman"/>
               </a:rPr>
               <a:t>Existing</a:t>
             </a:r>
             <a:r>
-              <a:rPr sz="2400" spc="-25" dirty="0">
+              <a:rPr sz="2000" spc="-25" dirty="0">
                 <a:latin typeface="Times New Roman"/>
                 <a:cs typeface="Times New Roman"/>
               </a:rPr>
               <a:t> </a:t>
             </a:r>
             <a:r>
-              <a:rPr sz="2400" spc="-10" dirty="0">
+              <a:rPr sz="2000" spc="-10" dirty="0">
                 <a:latin typeface="Times New Roman"/>
                 <a:cs typeface="Times New Roman"/>
               </a:rPr>
               <a:t>System</a:t>
             </a:r>
-            <a:endParaRPr lang="en-US" sz="2400" spc="-10" dirty="0">
+            <a:endParaRPr lang="en-US" sz="2000" spc="-10" dirty="0">
               <a:latin typeface="Times New Roman"/>
               <a:cs typeface="Times New Roman"/>
             </a:endParaRPr>
@@ -10070,7 +8789,7 @@
               </a:tabLst>
             </a:pPr>
             <a:r>
-              <a:rPr lang="en-US" sz="2400" dirty="0">
+              <a:rPr lang="en-US" sz="2000" dirty="0">
                 <a:solidFill>
                   <a:srgbClr val="000000"/>
                 </a:solidFill>
@@ -10081,7 +8800,7 @@
               </a:rPr>
               <a:t>Limitations of Existing System</a:t>
             </a:r>
-            <a:endParaRPr sz="2400" dirty="0">
+            <a:endParaRPr sz="2000" dirty="0">
               <a:latin typeface="Times New Roman"/>
               <a:cs typeface="Times New Roman"/>
             </a:endParaRPr>
@@ -10101,27 +8820,27 @@
               </a:tabLst>
             </a:pPr>
             <a:r>
-              <a:rPr sz="2400" dirty="0">
+              <a:rPr sz="2000" dirty="0">
                 <a:latin typeface="Times New Roman"/>
                 <a:cs typeface="Times New Roman"/>
               </a:rPr>
               <a:t>Proposed</a:t>
             </a:r>
             <a:r>
-              <a:rPr sz="2400" spc="-90" dirty="0">
+              <a:rPr sz="2000" spc="-90" dirty="0">
                 <a:latin typeface="Times New Roman"/>
                 <a:cs typeface="Times New Roman"/>
               </a:rPr>
               <a:t> </a:t>
             </a:r>
             <a:r>
-              <a:rPr sz="2400" spc="-10" dirty="0">
+              <a:rPr sz="2000" spc="-10" dirty="0">
                 <a:latin typeface="Times New Roman"/>
                 <a:cs typeface="Times New Roman"/>
               </a:rPr>
               <a:t>System</a:t>
             </a:r>
-            <a:endParaRPr lang="en-US" sz="2400" spc="-10" dirty="0">
+            <a:endParaRPr lang="en-US" sz="2000" spc="-10" dirty="0">
               <a:latin typeface="Times New Roman"/>
               <a:cs typeface="Times New Roman"/>
             </a:endParaRPr>
@@ -10138,7 +8857,7 @@
               </a:tabLst>
             </a:pPr>
             <a:r>
-              <a:rPr lang="en-US" sz="2400" dirty="0">
+              <a:rPr lang="en-US" sz="2000" dirty="0">
                 <a:solidFill>
                   <a:srgbClr val="000000"/>
                 </a:solidFill>
@@ -10149,7 +8868,7 @@
               </a:rPr>
               <a:t>Advantages of Proposed System</a:t>
             </a:r>
-            <a:endParaRPr sz="2400" dirty="0">
+            <a:endParaRPr sz="2000" dirty="0">
               <a:latin typeface="Times New Roman"/>
               <a:cs typeface="Times New Roman"/>
             </a:endParaRPr>
@@ -10169,27 +8888,27 @@
               </a:tabLst>
             </a:pPr>
             <a:r>
-              <a:rPr sz="2400" dirty="0">
+              <a:rPr sz="2000" dirty="0">
                 <a:latin typeface="Times New Roman"/>
                 <a:cs typeface="Times New Roman"/>
               </a:rPr>
               <a:t>System</a:t>
             </a:r>
             <a:r>
-              <a:rPr sz="2400" spc="-155" dirty="0">
+              <a:rPr sz="2000" spc="-155" dirty="0">
                 <a:latin typeface="Times New Roman"/>
                 <a:cs typeface="Times New Roman"/>
               </a:rPr>
               <a:t> </a:t>
             </a:r>
             <a:r>
-              <a:rPr sz="2400" spc="-10" dirty="0">
+              <a:rPr sz="2000" spc="-10" dirty="0">
                 <a:latin typeface="Times New Roman"/>
                 <a:cs typeface="Times New Roman"/>
               </a:rPr>
               <a:t>Architecture</a:t>
             </a:r>
-            <a:endParaRPr sz="2400" dirty="0">
+            <a:endParaRPr sz="2000" dirty="0">
               <a:latin typeface="Times New Roman"/>
               <a:cs typeface="Times New Roman"/>
             </a:endParaRPr>
@@ -10209,27 +8928,27 @@
               </a:tabLst>
             </a:pPr>
             <a:r>
-              <a:rPr sz="2400" dirty="0">
+              <a:rPr sz="2000" dirty="0">
                 <a:latin typeface="Times New Roman"/>
                 <a:cs typeface="Times New Roman"/>
               </a:rPr>
               <a:t>Requirements</a:t>
             </a:r>
             <a:r>
-              <a:rPr sz="2400" spc="-40" dirty="0">
+              <a:rPr sz="2000" spc="-40" dirty="0">
                 <a:latin typeface="Times New Roman"/>
                 <a:cs typeface="Times New Roman"/>
               </a:rPr>
               <a:t> </a:t>
             </a:r>
             <a:r>
-              <a:rPr sz="2400" spc="-10" dirty="0">
+              <a:rPr sz="2000" spc="-10" dirty="0">
                 <a:latin typeface="Times New Roman"/>
                 <a:cs typeface="Times New Roman"/>
               </a:rPr>
               <a:t>Specifications</a:t>
             </a:r>
-            <a:endParaRPr sz="2400" dirty="0">
+            <a:endParaRPr sz="2000" dirty="0">
               <a:latin typeface="Times New Roman"/>
               <a:cs typeface="Times New Roman"/>
             </a:endParaRPr>
@@ -10249,55 +8968,103 @@
               </a:tabLst>
             </a:pPr>
             <a:r>
-              <a:rPr sz="2400" dirty="0">
+              <a:rPr sz="2000" dirty="0">
                 <a:latin typeface="Times New Roman"/>
                 <a:cs typeface="Times New Roman"/>
               </a:rPr>
               <a:t>System</a:t>
             </a:r>
             <a:r>
-              <a:rPr sz="2400" spc="5" dirty="0">
+              <a:rPr sz="2000" spc="5" dirty="0">
                 <a:latin typeface="Times New Roman"/>
                 <a:cs typeface="Times New Roman"/>
               </a:rPr>
               <a:t> </a:t>
             </a:r>
             <a:r>
-              <a:rPr sz="2400" spc="-10" dirty="0">
+              <a:rPr sz="2000" spc="-10" dirty="0">
                 <a:latin typeface="Times New Roman"/>
                 <a:cs typeface="Times New Roman"/>
               </a:rPr>
               <a:t>Models</a:t>
             </a:r>
             <a:r>
-              <a:rPr lang="en-US" sz="2400" spc="-10" dirty="0">
+              <a:rPr lang="en-US" sz="2000" spc="-10" dirty="0">
                 <a:latin typeface="Times New Roman"/>
                 <a:cs typeface="Times New Roman"/>
               </a:rPr>
               <a:t> </a:t>
             </a:r>
             <a:r>
-              <a:rPr sz="2400" spc="-10" dirty="0">
+              <a:rPr sz="2000" spc="-10" dirty="0">
                 <a:latin typeface="Times New Roman"/>
                 <a:cs typeface="Times New Roman"/>
               </a:rPr>
               <a:t>(UML</a:t>
             </a:r>
             <a:r>
-              <a:rPr sz="2400" spc="-90" dirty="0">
+              <a:rPr sz="2000" spc="-90" dirty="0">
                 <a:latin typeface="Times New Roman"/>
                 <a:cs typeface="Times New Roman"/>
               </a:rPr>
               <a:t> </a:t>
             </a:r>
             <a:r>
-              <a:rPr sz="2400" spc="-10" dirty="0">
+              <a:rPr sz="2000" spc="-10" dirty="0">
                 <a:latin typeface="Times New Roman"/>
                 <a:cs typeface="Times New Roman"/>
               </a:rPr>
               <a:t>Diagram)</a:t>
             </a:r>
-            <a:endParaRPr sz="2400" dirty="0">
+            <a:endParaRPr lang="en-US" sz="2000" spc="-10" dirty="0">
+              <a:latin typeface="Times New Roman"/>
+              <a:cs typeface="Times New Roman"/>
+            </a:endParaRPr>
+          </a:p>
+          <a:p>
+            <a:pPr marL="354965" indent="-342265">
+              <a:lnSpc>
+                <a:spcPct val="100000"/>
+              </a:lnSpc>
+              <a:spcBef>
+                <a:spcPts val="715"/>
+              </a:spcBef>
+              <a:buFont typeface="Arial"/>
+              <a:buChar char="•"/>
+              <a:tabLst>
+                <a:tab pos="354965" algn="l"/>
+              </a:tabLst>
+            </a:pPr>
+            <a:r>
+              <a:rPr lang="en-US" sz="2000" spc="-10" dirty="0">
+                <a:latin typeface="Times New Roman"/>
+                <a:cs typeface="Times New Roman"/>
+              </a:rPr>
+              <a:t>Implementation &amp; Testcases</a:t>
+            </a:r>
+          </a:p>
+          <a:p>
+            <a:pPr marL="354965" indent="-342265">
+              <a:lnSpc>
+                <a:spcPct val="100000"/>
+              </a:lnSpc>
+              <a:spcBef>
+                <a:spcPts val="715"/>
+              </a:spcBef>
+              <a:buFont typeface="Arial"/>
+              <a:buChar char="•"/>
+              <a:tabLst>
+                <a:tab pos="354965" algn="l"/>
+              </a:tabLst>
+            </a:pPr>
+            <a:r>
+              <a:rPr lang="en-US" sz="2000" spc="-10" dirty="0">
+                <a:latin typeface="Times New Roman"/>
+                <a:cs typeface="Times New Roman"/>
+              </a:rPr>
+              <a:t>Conclusion &amp; Future Enhancement</a:t>
+            </a:r>
+            <a:endParaRPr sz="2000" dirty="0">
               <a:latin typeface="Times New Roman"/>
               <a:cs typeface="Times New Roman"/>
             </a:endParaRPr>
@@ -10317,13 +9084,39 @@
               </a:tabLst>
             </a:pPr>
             <a:r>
-              <a:rPr sz="2400" spc="-10" dirty="0">
+              <a:rPr sz="2000" spc="-10" dirty="0">
                 <a:latin typeface="Times New Roman"/>
                 <a:cs typeface="Times New Roman"/>
               </a:rPr>
               <a:t>Conclusion</a:t>
             </a:r>
-            <a:endParaRPr sz="2400" dirty="0">
+            <a:endParaRPr lang="en-US" sz="2000" spc="-10" dirty="0">
+              <a:latin typeface="Times New Roman"/>
+              <a:cs typeface="Times New Roman"/>
+            </a:endParaRPr>
+          </a:p>
+          <a:p>
+            <a:pPr marL="354965" indent="-342265">
+              <a:lnSpc>
+                <a:spcPct val="100000"/>
+              </a:lnSpc>
+              <a:spcBef>
+                <a:spcPts val="705"/>
+              </a:spcBef>
+              <a:buFont typeface="Arial"/>
+              <a:buChar char="•"/>
+              <a:tabLst>
+                <a:tab pos="354965" algn="l"/>
+              </a:tabLst>
+            </a:pPr>
+            <a:r>
+              <a:rPr lang="en-IN" sz="2000" spc="-10" dirty="0">
+                <a:latin typeface="Times New Roman"/>
+                <a:cs typeface="Times New Roman"/>
+              </a:rPr>
+              <a:t>References</a:t>
+            </a:r>
+            <a:endParaRPr sz="2000" dirty="0">
               <a:latin typeface="Times New Roman"/>
               <a:cs typeface="Times New Roman"/>
             </a:endParaRPr>
